--- a/TP/06_AnalyseMesure/programme/Courbes.pptx
+++ b/TP/06_AnalyseMesure/programme/Courbes.pptx
@@ -4,6 +4,9 @@
   <p:sldMasterIdLst>
     <p:sldMasterId id="2147483648" r:id="rId1"/>
   </p:sldMasterIdLst>
+  <p:sldIdLst>
+    <p:sldId id="256" r:id="rId2"/>
+  </p:sldIdLst>
   <p:sldSz cx="9144000" cy="6858000" type="screen4x3"/>
   <p:notesSz cx="6858000" cy="9144000"/>
   <p:defaultTextStyle>
@@ -285,7 +288,7 @@
           <a:p>
             <a:fld id="{AA309A6D-C09C-4548-B29A-6CF363A7E532}" type="datetimeFigureOut">
               <a:rPr lang="fr-FR" smtClean="0"/>
-              <a:t>26/09/2006</a:t>
+              <a:t>06/01/2015</a:t>
             </a:fld>
             <a:endParaRPr lang="fr-BE"/>
           </a:p>
@@ -450,7 +453,7 @@
           <a:p>
             <a:fld id="{AA309A6D-C09C-4548-B29A-6CF363A7E532}" type="datetimeFigureOut">
               <a:rPr lang="fr-FR" smtClean="0"/>
-              <a:t>26/09/2006</a:t>
+              <a:t>06/01/2015</a:t>
             </a:fld>
             <a:endParaRPr lang="fr-BE"/>
           </a:p>
@@ -625,7 +628,7 @@
           <a:p>
             <a:fld id="{AA309A6D-C09C-4548-B29A-6CF363A7E532}" type="datetimeFigureOut">
               <a:rPr lang="fr-FR" smtClean="0"/>
-              <a:t>26/09/2006</a:t>
+              <a:t>06/01/2015</a:t>
             </a:fld>
             <a:endParaRPr lang="fr-BE"/>
           </a:p>
@@ -790,7 +793,7 @@
           <a:p>
             <a:fld id="{AA309A6D-C09C-4548-B29A-6CF363A7E532}" type="datetimeFigureOut">
               <a:rPr lang="fr-FR" smtClean="0"/>
-              <a:t>26/09/2006</a:t>
+              <a:t>06/01/2015</a:t>
             </a:fld>
             <a:endParaRPr lang="fr-BE"/>
           </a:p>
@@ -1031,7 +1034,7 @@
           <a:p>
             <a:fld id="{AA309A6D-C09C-4548-B29A-6CF363A7E532}" type="datetimeFigureOut">
               <a:rPr lang="fr-FR" smtClean="0"/>
-              <a:t>26/09/2006</a:t>
+              <a:t>06/01/2015</a:t>
             </a:fld>
             <a:endParaRPr lang="fr-BE"/>
           </a:p>
@@ -1314,7 +1317,7 @@
           <a:p>
             <a:fld id="{AA309A6D-C09C-4548-B29A-6CF363A7E532}" type="datetimeFigureOut">
               <a:rPr lang="fr-FR" smtClean="0"/>
-              <a:t>26/09/2006</a:t>
+              <a:t>06/01/2015</a:t>
             </a:fld>
             <a:endParaRPr lang="fr-BE"/>
           </a:p>
@@ -1731,7 +1734,7 @@
           <a:p>
             <a:fld id="{AA309A6D-C09C-4548-B29A-6CF363A7E532}" type="datetimeFigureOut">
               <a:rPr lang="fr-FR" smtClean="0"/>
-              <a:t>26/09/2006</a:t>
+              <a:t>06/01/2015</a:t>
             </a:fld>
             <a:endParaRPr lang="fr-BE"/>
           </a:p>
@@ -1844,7 +1847,7 @@
           <a:p>
             <a:fld id="{AA309A6D-C09C-4548-B29A-6CF363A7E532}" type="datetimeFigureOut">
               <a:rPr lang="fr-FR" smtClean="0"/>
-              <a:t>26/09/2006</a:t>
+              <a:t>06/01/2015</a:t>
             </a:fld>
             <a:endParaRPr lang="fr-BE"/>
           </a:p>
@@ -1934,7 +1937,7 @@
           <a:p>
             <a:fld id="{AA309A6D-C09C-4548-B29A-6CF363A7E532}" type="datetimeFigureOut">
               <a:rPr lang="fr-FR" smtClean="0"/>
-              <a:t>26/09/2006</a:t>
+              <a:t>06/01/2015</a:t>
             </a:fld>
             <a:endParaRPr lang="fr-BE"/>
           </a:p>
@@ -2206,7 +2209,7 @@
           <a:p>
             <a:fld id="{AA309A6D-C09C-4548-B29A-6CF363A7E532}" type="datetimeFigureOut">
               <a:rPr lang="fr-FR" smtClean="0"/>
-              <a:t>26/09/2006</a:t>
+              <a:t>06/01/2015</a:t>
             </a:fld>
             <a:endParaRPr lang="fr-BE"/>
           </a:p>
@@ -2454,7 +2457,7 @@
           <a:p>
             <a:fld id="{AA309A6D-C09C-4548-B29A-6CF363A7E532}" type="datetimeFigureOut">
               <a:rPr lang="fr-FR" smtClean="0"/>
-              <a:t>26/09/2006</a:t>
+              <a:t>06/01/2015</a:t>
             </a:fld>
             <a:endParaRPr lang="fr-BE"/>
           </a:p>
@@ -2662,7 +2665,7 @@
           <a:p>
             <a:fld id="{AA309A6D-C09C-4548-B29A-6CF363A7E532}" type="datetimeFigureOut">
               <a:rPr lang="fr-FR" smtClean="0"/>
-              <a:t>26/09/2006</a:t>
+              <a:t>06/01/2015</a:t>
             </a:fld>
             <a:endParaRPr lang="fr-BE"/>
           </a:p>
@@ -3013,6 +3016,200 @@
     </p:otherStyle>
   </p:txStyles>
 </p:sldMaster>
+</file>
+
+<file path=ppt/slides/slide1.xml><?xml version="1.0" encoding="utf-8"?>
+<p:sld xmlns:a="http://schemas.openxmlformats.org/drawingml/2006/main" xmlns:r="http://schemas.openxmlformats.org/officeDocument/2006/relationships" xmlns:p="http://schemas.openxmlformats.org/presentationml/2006/main">
+  <p:cSld>
+    <p:spTree>
+      <p:nvGrpSpPr>
+        <p:cNvPr id="1" name=""/>
+        <p:cNvGrpSpPr/>
+        <p:nvPr/>
+      </p:nvGrpSpPr>
+      <p:grpSpPr>
+        <a:xfrm>
+          <a:off x="0" y="0"/>
+          <a:ext cx="0" cy="0"/>
+          <a:chOff x="0" y="0"/>
+          <a:chExt cx="0" cy="0"/>
+        </a:xfrm>
+      </p:grpSpPr>
+      <p:pic>
+        <p:nvPicPr>
+          <p:cNvPr id="1026" name="Picture 2" descr="C:\Enseignements\GitHub\Informatique\TP\06_AnalyseMesure\programme\Moyenne_5.png"/>
+          <p:cNvPicPr>
+            <a:picLocks noChangeAspect="1" noChangeArrowheads="1"/>
+          </p:cNvPicPr>
+          <p:nvPr/>
+        </p:nvPicPr>
+        <p:blipFill>
+          <a:blip r:embed="rId2">
+            <a:extLst>
+              <a:ext uri="{28A0092B-C50C-407E-A947-70E740481C1C}">
+                <a14:useLocalDpi xmlns:a14="http://schemas.microsoft.com/office/drawing/2010/main" val="0"/>
+              </a:ext>
+            </a:extLst>
+          </a:blip>
+          <a:srcRect/>
+          <a:stretch>
+            <a:fillRect/>
+          </a:stretch>
+        </p:blipFill>
+        <p:spPr bwMode="auto">
+          <a:xfrm>
+            <a:off x="4790357" y="3640286"/>
+            <a:ext cx="4341356" cy="3240000"/>
+          </a:xfrm>
+          <a:prstGeom prst="rect">
+            <a:avLst/>
+          </a:prstGeom>
+          <a:noFill/>
+          <a:extLst>
+            <a:ext uri="{909E8E84-426E-40DD-AFC4-6F175D3DCCD1}">
+              <a14:hiddenFill xmlns:a14="http://schemas.microsoft.com/office/drawing/2010/main">
+                <a:solidFill>
+                  <a:srgbClr val="FFFFFF"/>
+                </a:solidFill>
+              </a14:hiddenFill>
+            </a:ext>
+          </a:extLst>
+        </p:spPr>
+      </p:pic>
+      <p:pic>
+        <p:nvPicPr>
+          <p:cNvPr id="1027" name="Picture 3" descr="C:\Enseignements\GitHub\Informatique\TP\06_AnalyseMesure\programme\Moyenne_20.png"/>
+          <p:cNvPicPr>
+            <a:picLocks noChangeAspect="1" noChangeArrowheads="1"/>
+          </p:cNvPicPr>
+          <p:nvPr/>
+        </p:nvPicPr>
+        <p:blipFill>
+          <a:blip r:embed="rId3">
+            <a:extLst>
+              <a:ext uri="{28A0092B-C50C-407E-A947-70E740481C1C}">
+                <a14:useLocalDpi xmlns:a14="http://schemas.microsoft.com/office/drawing/2010/main" val="0"/>
+              </a:ext>
+            </a:extLst>
+          </a:blip>
+          <a:srcRect/>
+          <a:stretch>
+            <a:fillRect/>
+          </a:stretch>
+        </p:blipFill>
+        <p:spPr bwMode="auto">
+          <a:xfrm>
+            <a:off x="4805556" y="33251"/>
+            <a:ext cx="4341356" cy="3240000"/>
+          </a:xfrm>
+          <a:prstGeom prst="rect">
+            <a:avLst/>
+          </a:prstGeom>
+          <a:noFill/>
+          <a:extLst>
+            <a:ext uri="{909E8E84-426E-40DD-AFC4-6F175D3DCCD1}">
+              <a14:hiddenFill xmlns:a14="http://schemas.microsoft.com/office/drawing/2010/main">
+                <a:solidFill>
+                  <a:srgbClr val="FFFFFF"/>
+                </a:solidFill>
+              </a14:hiddenFill>
+            </a:ext>
+          </a:extLst>
+        </p:spPr>
+      </p:pic>
+      <p:pic>
+        <p:nvPicPr>
+          <p:cNvPr id="1028" name="Picture 4" descr="C:\Enseignements\GitHub\Informatique\TP\06_AnalyseMesure\programme\Moyenne_GL_5.png"/>
+          <p:cNvPicPr>
+            <a:picLocks noChangeAspect="1" noChangeArrowheads="1"/>
+          </p:cNvPicPr>
+          <p:nvPr/>
+        </p:nvPicPr>
+        <p:blipFill>
+          <a:blip r:embed="rId4">
+            <a:extLst>
+              <a:ext uri="{28A0092B-C50C-407E-A947-70E740481C1C}">
+                <a14:useLocalDpi xmlns:a14="http://schemas.microsoft.com/office/drawing/2010/main" val="0"/>
+              </a:ext>
+            </a:extLst>
+          </a:blip>
+          <a:srcRect/>
+          <a:stretch>
+            <a:fillRect/>
+          </a:stretch>
+        </p:blipFill>
+        <p:spPr bwMode="auto">
+          <a:xfrm>
+            <a:off x="82058" y="3618000"/>
+            <a:ext cx="4341356" cy="3240000"/>
+          </a:xfrm>
+          <a:prstGeom prst="rect">
+            <a:avLst/>
+          </a:prstGeom>
+          <a:noFill/>
+          <a:extLst>
+            <a:ext uri="{909E8E84-426E-40DD-AFC4-6F175D3DCCD1}">
+              <a14:hiddenFill xmlns:a14="http://schemas.microsoft.com/office/drawing/2010/main">
+                <a:solidFill>
+                  <a:srgbClr val="FFFFFF"/>
+                </a:solidFill>
+              </a14:hiddenFill>
+            </a:ext>
+          </a:extLst>
+        </p:spPr>
+      </p:pic>
+      <p:pic>
+        <p:nvPicPr>
+          <p:cNvPr id="1029" name="Picture 5" descr="C:\Enseignements\GitHub\Informatique\TP\06_AnalyseMesure\programme\Moyenne_GL_20.png"/>
+          <p:cNvPicPr>
+            <a:picLocks noChangeAspect="1" noChangeArrowheads="1"/>
+          </p:cNvPicPr>
+          <p:nvPr/>
+        </p:nvPicPr>
+        <p:blipFill>
+          <a:blip r:embed="rId5">
+            <a:extLst>
+              <a:ext uri="{28A0092B-C50C-407E-A947-70E740481C1C}">
+                <a14:useLocalDpi xmlns:a14="http://schemas.microsoft.com/office/drawing/2010/main" val="0"/>
+              </a:ext>
+            </a:extLst>
+          </a:blip>
+          <a:srcRect/>
+          <a:stretch>
+            <a:fillRect/>
+          </a:stretch>
+        </p:blipFill>
+        <p:spPr bwMode="auto">
+          <a:xfrm>
+            <a:off x="52684" y="12236"/>
+            <a:ext cx="4341356" cy="3240000"/>
+          </a:xfrm>
+          <a:prstGeom prst="rect">
+            <a:avLst/>
+          </a:prstGeom>
+          <a:noFill/>
+          <a:extLst>
+            <a:ext uri="{909E8E84-426E-40DD-AFC4-6F175D3DCCD1}">
+              <a14:hiddenFill xmlns:a14="http://schemas.microsoft.com/office/drawing/2010/main">
+                <a:solidFill>
+                  <a:srgbClr val="FFFFFF"/>
+                </a:solidFill>
+              </a14:hiddenFill>
+            </a:ext>
+          </a:extLst>
+        </p:spPr>
+      </p:pic>
+    </p:spTree>
+    <p:extLst>
+      <p:ext uri="{BB962C8B-B14F-4D97-AF65-F5344CB8AC3E}">
+        <p14:creationId xmlns:p14="http://schemas.microsoft.com/office/powerpoint/2010/main" val="2914892923"/>
+      </p:ext>
+    </p:extLst>
+  </p:cSld>
+  <p:clrMapOvr>
+    <a:masterClrMapping/>
+  </p:clrMapOvr>
+</p:sld>
 </file>
 
 <file path=ppt/theme/theme1.xml><?xml version="1.0" encoding="utf-8"?>
